--- a/crizen/(보완) 김예찬_OJT 4차 발표자료_Security.pptx
+++ b/crizen/(보완) 김예찬_OJT 4차 발표자료_Security.pptx
@@ -322,7 +322,7 @@
           <a:p>
             <a:fld id="{F8166F1F-CE9B-4651-A6AA-CD717754106B}" type="datetimeFigureOut">
               <a:rPr lang="en-US" smtClean="0"/>
-              <a:t>6/29/2022</a:t>
+              <a:t>6/30/2022</a:t>
             </a:fld>
             <a:endParaRPr lang="en-US"/>
           </a:p>
@@ -485,7 +485,7 @@
           <a:p>
             <a:fld id="{A76116CE-C4A3-4A05-B2D7-7C2E9A889C0F}" type="datetimeFigureOut">
               <a:rPr lang="en-US" smtClean="0"/>
-              <a:t>6/29/2022</a:t>
+              <a:t>6/30/2022</a:t>
             </a:fld>
             <a:endParaRPr lang="en-US"/>
           </a:p>
@@ -658,7 +658,7 @@
           <a:p>
             <a:fld id="{A76116CE-C4A3-4A05-B2D7-7C2E9A889C0F}" type="datetimeFigureOut">
               <a:rPr lang="en-US" smtClean="0"/>
-              <a:t>6/29/2022</a:t>
+              <a:t>6/30/2022</a:t>
             </a:fld>
             <a:endParaRPr lang="en-US"/>
           </a:p>
@@ -823,7 +823,7 @@
           <a:p>
             <a:fld id="{A76116CE-C4A3-4A05-B2D7-7C2E9A889C0F}" type="datetimeFigureOut">
               <a:rPr lang="en-US" smtClean="0"/>
-              <a:t>6/29/2022</a:t>
+              <a:t>6/30/2022</a:t>
             </a:fld>
             <a:endParaRPr lang="en-US"/>
           </a:p>
@@ -1063,7 +1063,7 @@
           <a:p>
             <a:fld id="{A76116CE-C4A3-4A05-B2D7-7C2E9A889C0F}" type="datetimeFigureOut">
               <a:rPr lang="en-US" smtClean="0"/>
-              <a:t>6/29/2022</a:t>
+              <a:t>6/30/2022</a:t>
             </a:fld>
             <a:endParaRPr lang="en-US"/>
           </a:p>
@@ -1343,7 +1343,7 @@
           <a:p>
             <a:fld id="{A76116CE-C4A3-4A05-B2D7-7C2E9A889C0F}" type="datetimeFigureOut">
               <a:rPr lang="en-US" smtClean="0"/>
-              <a:t>6/29/2022</a:t>
+              <a:t>6/30/2022</a:t>
             </a:fld>
             <a:endParaRPr lang="en-US"/>
           </a:p>
@@ -1757,7 +1757,7 @@
           <a:p>
             <a:fld id="{A76116CE-C4A3-4A05-B2D7-7C2E9A889C0F}" type="datetimeFigureOut">
               <a:rPr lang="en-US" smtClean="0"/>
-              <a:t>6/29/2022</a:t>
+              <a:t>6/30/2022</a:t>
             </a:fld>
             <a:endParaRPr lang="en-US"/>
           </a:p>
@@ -1869,7 +1869,7 @@
           <a:p>
             <a:fld id="{A76116CE-C4A3-4A05-B2D7-7C2E9A889C0F}" type="datetimeFigureOut">
               <a:rPr lang="en-US" smtClean="0"/>
-              <a:t>6/29/2022</a:t>
+              <a:t>6/30/2022</a:t>
             </a:fld>
             <a:endParaRPr lang="en-US"/>
           </a:p>
@@ -1959,7 +1959,7 @@
           <a:p>
             <a:fld id="{A76116CE-C4A3-4A05-B2D7-7C2E9A889C0F}" type="datetimeFigureOut">
               <a:rPr lang="en-US" smtClean="0"/>
-              <a:t>6/29/2022</a:t>
+              <a:t>6/30/2022</a:t>
             </a:fld>
             <a:endParaRPr lang="en-US"/>
           </a:p>
@@ -2229,7 +2229,7 @@
           <a:p>
             <a:fld id="{A76116CE-C4A3-4A05-B2D7-7C2E9A889C0F}" type="datetimeFigureOut">
               <a:rPr lang="en-US" smtClean="0"/>
-              <a:t>6/29/2022</a:t>
+              <a:t>6/30/2022</a:t>
             </a:fld>
             <a:endParaRPr lang="en-US"/>
           </a:p>
@@ -2476,7 +2476,7 @@
           <a:p>
             <a:fld id="{A76116CE-C4A3-4A05-B2D7-7C2E9A889C0F}" type="datetimeFigureOut">
               <a:rPr lang="en-US" smtClean="0"/>
-              <a:t>6/29/2022</a:t>
+              <a:t>6/30/2022</a:t>
             </a:fld>
             <a:endParaRPr lang="en-US"/>
           </a:p>
@@ -2682,7 +2682,7 @@
           <a:p>
             <a:fld id="{F8166F1F-CE9B-4651-A6AA-CD717754106B}" type="datetimeFigureOut">
               <a:rPr lang="en-US" smtClean="0"/>
-              <a:t>6/29/2022</a:t>
+              <a:t>6/30/2022</a:t>
             </a:fld>
             <a:endParaRPr lang="en-US"/>
           </a:p>
@@ -21055,13 +21055,13 @@
   <p:clrMapOvr>
     <a:masterClrMapping/>
   </p:clrMapOvr>
-  <mc:AlternateContent xmlns:mc="http://schemas.openxmlformats.org/markup-compatibility/2006">
-    <mc:Choice xmlns:p14="http://schemas.microsoft.com/office/powerpoint/2010/main" Requires="p14">
+  <mc:AlternateContent xmlns:mc="http://schemas.openxmlformats.org/markup-compatibility/2006" xmlns:p14="http://schemas.microsoft.com/office/powerpoint/2010/main">
+    <mc:Choice Requires="p14">
       <p:transition spd="med" p14:dur="700">
         <p:fade/>
       </p:transition>
     </mc:Choice>
-    <mc:Fallback>
+    <mc:Fallback xmlns="">
       <p:transition spd="med">
         <p:fade/>
       </p:transition>
@@ -23434,11 +23434,11 @@
             <a:p>
               <a:pPr algn="ctr"/>
               <a:r>
-                <a:rPr lang="en-US" altLang="ko-KR" dirty="0" err="1">
+                <a:rPr lang="en-US" altLang="ko-KR">
                   <a:latin typeface="BM DoHyeon" panose="020B0600000101010101" pitchFamily="50" charset="-127"/>
                   <a:ea typeface="BM DoHyeon" panose="020B0600000101010101" pitchFamily="50" charset="-127"/>
                 </a:rPr>
-                <a:t>SuccessHandle</a:t>
+                <a:t>SuccessHandler</a:t>
               </a:r>
               <a:endParaRPr lang="ko-KR" altLang="en-US" dirty="0">
                 <a:latin typeface="BM DoHyeon" panose="020B0600000101010101" pitchFamily="50" charset="-127"/>
@@ -24074,7 +24074,7 @@
                     <a:latin typeface="BM DoHyeon" panose="020B0600000101010101" pitchFamily="50" charset="-127"/>
                     <a:ea typeface="BM DoHyeon" panose="020B0600000101010101" pitchFamily="50" charset="-127"/>
                   </a:rPr>
-                  <a:t>FailureHandle</a:t>
+                  <a:t>FailureHandler</a:t>
                 </a:r>
                 <a:endParaRPr lang="ko-KR" altLang="en-US" dirty="0">
                   <a:latin typeface="BM DoHyeon" panose="020B0600000101010101" pitchFamily="50" charset="-127"/>
